--- a/YKX_V0.pptx
+++ b/YKX_V0.pptx
@@ -7,8 +7,9 @@
   <p:sldIdLst>
     <p:sldId id="257" r:id="rId2"/>
     <p:sldId id="258" r:id="rId3"/>
-    <p:sldId id="259" r:id="rId4"/>
-    <p:sldId id="260" r:id="rId5"/>
+    <p:sldId id="260" r:id="rId4"/>
+    <p:sldId id="261" r:id="rId5"/>
+    <p:sldId id="263" r:id="rId6"/>
   </p:sldIdLst>
   <p:sldSz cx="12192000" cy="6858000"/>
   <p:notesSz cx="6858000" cy="9144000"/>
@@ -107,6 +108,11 @@
       </a:defRPr>
     </a:lvl9pPr>
   </p:defaultTextStyle>
+  <p:extLst>
+    <p:ext uri="{EFAFB233-063F-42B5-8137-9DF3F51BA10A}">
+      <p15:sldGuideLst xmlns:p15="http://schemas.microsoft.com/office/powerpoint/2012/main"/>
+    </p:ext>
+  </p:extLst>
 </p:presentation>
 </file>
 
@@ -257,7 +263,7 @@
           <a:p>
             <a:fld id="{253039FA-8E18-46C8-978A-2D1FE0447F54}" type="datetimeFigureOut">
               <a:rPr lang="zh-CN" altLang="en-US" smtClean="0"/>
-              <a:t>2022/6/28</a:t>
+              <a:t>2022/6/29</a:t>
             </a:fld>
             <a:endParaRPr lang="zh-CN" altLang="en-US"/>
           </a:p>
@@ -455,7 +461,7 @@
           <a:p>
             <a:fld id="{253039FA-8E18-46C8-978A-2D1FE0447F54}" type="datetimeFigureOut">
               <a:rPr lang="zh-CN" altLang="en-US" smtClean="0"/>
-              <a:t>2022/6/28</a:t>
+              <a:t>2022/6/29</a:t>
             </a:fld>
             <a:endParaRPr lang="zh-CN" altLang="en-US"/>
           </a:p>
@@ -663,7 +669,7 @@
           <a:p>
             <a:fld id="{253039FA-8E18-46C8-978A-2D1FE0447F54}" type="datetimeFigureOut">
               <a:rPr lang="zh-CN" altLang="en-US" smtClean="0"/>
-              <a:t>2022/6/28</a:t>
+              <a:t>2022/6/29</a:t>
             </a:fld>
             <a:endParaRPr lang="zh-CN" altLang="en-US"/>
           </a:p>
@@ -861,7 +867,7 @@
           <a:p>
             <a:fld id="{253039FA-8E18-46C8-978A-2D1FE0447F54}" type="datetimeFigureOut">
               <a:rPr lang="zh-CN" altLang="en-US" smtClean="0"/>
-              <a:t>2022/6/28</a:t>
+              <a:t>2022/6/29</a:t>
             </a:fld>
             <a:endParaRPr lang="zh-CN" altLang="en-US"/>
           </a:p>
@@ -1136,7 +1142,7 @@
           <a:p>
             <a:fld id="{253039FA-8E18-46C8-978A-2D1FE0447F54}" type="datetimeFigureOut">
               <a:rPr lang="zh-CN" altLang="en-US" smtClean="0"/>
-              <a:t>2022/6/28</a:t>
+              <a:t>2022/6/29</a:t>
             </a:fld>
             <a:endParaRPr lang="zh-CN" altLang="en-US"/>
           </a:p>
@@ -1401,7 +1407,7 @@
           <a:p>
             <a:fld id="{253039FA-8E18-46C8-978A-2D1FE0447F54}" type="datetimeFigureOut">
               <a:rPr lang="zh-CN" altLang="en-US" smtClean="0"/>
-              <a:t>2022/6/28</a:t>
+              <a:t>2022/6/29</a:t>
             </a:fld>
             <a:endParaRPr lang="zh-CN" altLang="en-US"/>
           </a:p>
@@ -1813,7 +1819,7 @@
           <a:p>
             <a:fld id="{253039FA-8E18-46C8-978A-2D1FE0447F54}" type="datetimeFigureOut">
               <a:rPr lang="zh-CN" altLang="en-US" smtClean="0"/>
-              <a:t>2022/6/28</a:t>
+              <a:t>2022/6/29</a:t>
             </a:fld>
             <a:endParaRPr lang="zh-CN" altLang="en-US"/>
           </a:p>
@@ -1954,7 +1960,7 @@
           <a:p>
             <a:fld id="{253039FA-8E18-46C8-978A-2D1FE0447F54}" type="datetimeFigureOut">
               <a:rPr lang="zh-CN" altLang="en-US" smtClean="0"/>
-              <a:t>2022/6/28</a:t>
+              <a:t>2022/6/29</a:t>
             </a:fld>
             <a:endParaRPr lang="zh-CN" altLang="en-US"/>
           </a:p>
@@ -2067,7 +2073,7 @@
           <a:p>
             <a:fld id="{253039FA-8E18-46C8-978A-2D1FE0447F54}" type="datetimeFigureOut">
               <a:rPr lang="zh-CN" altLang="en-US" smtClean="0"/>
-              <a:t>2022/6/28</a:t>
+              <a:t>2022/6/29</a:t>
             </a:fld>
             <a:endParaRPr lang="zh-CN" altLang="en-US"/>
           </a:p>
@@ -2378,7 +2384,7 @@
           <a:p>
             <a:fld id="{253039FA-8E18-46C8-978A-2D1FE0447F54}" type="datetimeFigureOut">
               <a:rPr lang="zh-CN" altLang="en-US" smtClean="0"/>
-              <a:t>2022/6/28</a:t>
+              <a:t>2022/6/29</a:t>
             </a:fld>
             <a:endParaRPr lang="zh-CN" altLang="en-US"/>
           </a:p>
@@ -2666,7 +2672,7 @@
           <a:p>
             <a:fld id="{253039FA-8E18-46C8-978A-2D1FE0447F54}" type="datetimeFigureOut">
               <a:rPr lang="zh-CN" altLang="en-US" smtClean="0"/>
-              <a:t>2022/6/28</a:t>
+              <a:t>2022/6/29</a:t>
             </a:fld>
             <a:endParaRPr lang="zh-CN" altLang="en-US"/>
           </a:p>
@@ -2907,7 +2913,7 @@
           <a:p>
             <a:fld id="{253039FA-8E18-46C8-978A-2D1FE0447F54}" type="datetimeFigureOut">
               <a:rPr lang="zh-CN" altLang="en-US" smtClean="0"/>
-              <a:t>2022/6/28</a:t>
+              <a:t>2022/6/29</a:t>
             </a:fld>
             <a:endParaRPr lang="zh-CN" altLang="en-US"/>
           </a:p>
@@ -3497,10 +3503,10 @@
       </p:grpSpPr>
       <p:pic>
         <p:nvPicPr>
-          <p:cNvPr id="9" name="图片 8">
-            <a:extLst>
-              <a:ext uri="{FF2B5EF4-FFF2-40B4-BE49-F238E27FC236}">
-                <a16:creationId xmlns:a16="http://schemas.microsoft.com/office/drawing/2014/main" id="{C3ADC66F-7993-4628-8975-B668D9F6E9FF}"/>
+          <p:cNvPr id="7" name="图片 6">
+            <a:extLst>
+              <a:ext uri="{FF2B5EF4-FFF2-40B4-BE49-F238E27FC236}">
+                <a16:creationId xmlns:a16="http://schemas.microsoft.com/office/drawing/2014/main" id="{48D97F06-590D-4CE0-9983-0113AD1CCD82}"/>
               </a:ext>
             </a:extLst>
           </p:cNvPr>
@@ -3511,13 +3517,13 @@
         </p:nvPicPr>
         <p:blipFill rotWithShape="1">
           <a:blip r:embed="rId2"/>
-          <a:srcRect b="13635"/>
+          <a:srcRect t="53063"/>
           <a:stretch/>
         </p:blipFill>
         <p:spPr>
           <a:xfrm>
-            <a:off x="461913" y="2990016"/>
-            <a:ext cx="4392891" cy="3683789"/>
+            <a:off x="6473106" y="2639505"/>
+            <a:ext cx="4988578" cy="3718876"/>
           </a:xfrm>
           <a:prstGeom prst="rect">
             <a:avLst/>
@@ -3526,10 +3532,39 @@
       </p:pic>
       <p:pic>
         <p:nvPicPr>
-          <p:cNvPr id="11" name="图片 10">
-            <a:extLst>
-              <a:ext uri="{FF2B5EF4-FFF2-40B4-BE49-F238E27FC236}">
-                <a16:creationId xmlns:a16="http://schemas.microsoft.com/office/drawing/2014/main" id="{0BB596D5-C966-4086-B4D7-C0DFF0889B3F}"/>
+          <p:cNvPr id="14" name="图片 13">
+            <a:extLst>
+              <a:ext uri="{FF2B5EF4-FFF2-40B4-BE49-F238E27FC236}">
+                <a16:creationId xmlns:a16="http://schemas.microsoft.com/office/drawing/2014/main" id="{BF60267C-0EC1-433A-9D4B-83A7328BB02D}"/>
+              </a:ext>
+            </a:extLst>
+          </p:cNvPr>
+          <p:cNvPicPr>
+            <a:picLocks noChangeAspect="1"/>
+          </p:cNvPicPr>
+          <p:nvPr/>
+        </p:nvPicPr>
+        <p:blipFill rotWithShape="1">
+          <a:blip r:embed="rId2"/>
+          <a:srcRect b="47442"/>
+          <a:stretch/>
+        </p:blipFill>
+        <p:spPr>
+          <a:xfrm>
+            <a:off x="603316" y="2123480"/>
+            <a:ext cx="4988578" cy="4164198"/>
+          </a:xfrm>
+          <a:prstGeom prst="rect">
+            <a:avLst/>
+          </a:prstGeom>
+        </p:spPr>
+      </p:pic>
+      <p:pic>
+        <p:nvPicPr>
+          <p:cNvPr id="16" name="图片 15">
+            <a:extLst>
+              <a:ext uri="{FF2B5EF4-FFF2-40B4-BE49-F238E27FC236}">
+                <a16:creationId xmlns:a16="http://schemas.microsoft.com/office/drawing/2014/main" id="{BF63A283-8CBD-47FF-B719-C6B8221EF777}"/>
               </a:ext>
             </a:extLst>
           </p:cNvPr>
@@ -3546,8 +3581,8 @@
         </p:blipFill>
         <p:spPr>
           <a:xfrm>
-            <a:off x="134430" y="0"/>
-            <a:ext cx="11715750" cy="3000375"/>
+            <a:off x="0" y="0"/>
+            <a:ext cx="12192000" cy="2128024"/>
           </a:xfrm>
           <a:prstGeom prst="rect">
             <a:avLst/>
@@ -3586,10 +3621,10 @@
       </p:grpSpPr>
       <p:pic>
         <p:nvPicPr>
-          <p:cNvPr id="10" name="图片 9">
-            <a:extLst>
-              <a:ext uri="{FF2B5EF4-FFF2-40B4-BE49-F238E27FC236}">
-                <a16:creationId xmlns:a16="http://schemas.microsoft.com/office/drawing/2014/main" id="{2F802183-D414-48E3-9524-CA5839ABFC6B}"/>
+          <p:cNvPr id="3" name="图片 2">
+            <a:extLst>
+              <a:ext uri="{FF2B5EF4-FFF2-40B4-BE49-F238E27FC236}">
+                <a16:creationId xmlns:a16="http://schemas.microsoft.com/office/drawing/2014/main" id="{76678E5A-9674-4AE1-8894-62F8130CEF9D}"/>
               </a:ext>
             </a:extLst>
           </p:cNvPr>
@@ -3607,7 +3642,65 @@
         <p:spPr>
           <a:xfrm>
             <a:off x="0" y="0"/>
-            <a:ext cx="11868150" cy="3571875"/>
+            <a:ext cx="12192000" cy="2384413"/>
+          </a:xfrm>
+          <a:prstGeom prst="rect">
+            <a:avLst/>
+          </a:prstGeom>
+        </p:spPr>
+      </p:pic>
+      <p:pic>
+        <p:nvPicPr>
+          <p:cNvPr id="5" name="图片 4">
+            <a:extLst>
+              <a:ext uri="{FF2B5EF4-FFF2-40B4-BE49-F238E27FC236}">
+                <a16:creationId xmlns:a16="http://schemas.microsoft.com/office/drawing/2014/main" id="{26C78B78-6892-42AC-9B41-6C6758B2701E}"/>
+              </a:ext>
+            </a:extLst>
+          </p:cNvPr>
+          <p:cNvPicPr>
+            <a:picLocks noChangeAspect="1"/>
+          </p:cNvPicPr>
+          <p:nvPr/>
+        </p:nvPicPr>
+        <p:blipFill rotWithShape="1">
+          <a:blip r:embed="rId3"/>
+          <a:srcRect b="51340"/>
+          <a:stretch/>
+        </p:blipFill>
+        <p:spPr>
+          <a:xfrm>
+            <a:off x="255830" y="3018718"/>
+            <a:ext cx="5473478" cy="3337089"/>
+          </a:xfrm>
+          <a:prstGeom prst="rect">
+            <a:avLst/>
+          </a:prstGeom>
+        </p:spPr>
+      </p:pic>
+      <p:pic>
+        <p:nvPicPr>
+          <p:cNvPr id="8" name="图片 7">
+            <a:extLst>
+              <a:ext uri="{FF2B5EF4-FFF2-40B4-BE49-F238E27FC236}">
+                <a16:creationId xmlns:a16="http://schemas.microsoft.com/office/drawing/2014/main" id="{8CFCEF8C-BDD0-4C04-87EF-0974A97B3B74}"/>
+              </a:ext>
+            </a:extLst>
+          </p:cNvPr>
+          <p:cNvPicPr>
+            <a:picLocks noChangeAspect="1"/>
+          </p:cNvPicPr>
+          <p:nvPr/>
+        </p:nvPicPr>
+        <p:blipFill rotWithShape="1">
+          <a:blip r:embed="rId3"/>
+          <a:srcRect t="48053"/>
+          <a:stretch/>
+        </p:blipFill>
+        <p:spPr>
+          <a:xfrm>
+            <a:off x="6462694" y="3018718"/>
+            <a:ext cx="5473478" cy="3562547"/>
           </a:xfrm>
           <a:prstGeom prst="rect">
             <a:avLst/>
@@ -3617,7 +3710,7 @@
     </p:spTree>
     <p:extLst>
       <p:ext uri="{BB962C8B-B14F-4D97-AF65-F5344CB8AC3E}">
-        <p14:creationId xmlns:p14="http://schemas.microsoft.com/office/powerpoint/2010/main" val="1771580505"/>
+        <p14:creationId xmlns:p14="http://schemas.microsoft.com/office/powerpoint/2010/main" val="1357051459"/>
       </p:ext>
     </p:extLst>
   </p:cSld>
@@ -3646,10 +3739,10 @@
       </p:grpSpPr>
       <p:pic>
         <p:nvPicPr>
-          <p:cNvPr id="7" name="图片 6">
-            <a:extLst>
-              <a:ext uri="{FF2B5EF4-FFF2-40B4-BE49-F238E27FC236}">
-                <a16:creationId xmlns:a16="http://schemas.microsoft.com/office/drawing/2014/main" id="{2F7EC811-19CF-4C02-B72F-67B90F684A5F}"/>
+          <p:cNvPr id="4" name="图片 3">
+            <a:extLst>
+              <a:ext uri="{FF2B5EF4-FFF2-40B4-BE49-F238E27FC236}">
+                <a16:creationId xmlns:a16="http://schemas.microsoft.com/office/drawing/2014/main" id="{C4A84F43-6B41-4BF4-AEE1-4A7E6E978C3C}"/>
               </a:ext>
             </a:extLst>
           </p:cNvPr>
@@ -3666,8 +3759,66 @@
         </p:blipFill>
         <p:spPr>
           <a:xfrm>
-            <a:off x="91862" y="0"/>
-            <a:ext cx="11744325" cy="3676650"/>
+            <a:off x="0" y="0"/>
+            <a:ext cx="12192000" cy="3444580"/>
+          </a:xfrm>
+          <a:prstGeom prst="rect">
+            <a:avLst/>
+          </a:prstGeom>
+        </p:spPr>
+      </p:pic>
+      <p:pic>
+        <p:nvPicPr>
+          <p:cNvPr id="7" name="图片 6">
+            <a:extLst>
+              <a:ext uri="{FF2B5EF4-FFF2-40B4-BE49-F238E27FC236}">
+                <a16:creationId xmlns:a16="http://schemas.microsoft.com/office/drawing/2014/main" id="{DC9E10B4-017D-4A61-A835-9D32784CA765}"/>
+              </a:ext>
+            </a:extLst>
+          </p:cNvPr>
+          <p:cNvPicPr>
+            <a:picLocks noChangeAspect="1"/>
+          </p:cNvPicPr>
+          <p:nvPr/>
+        </p:nvPicPr>
+        <p:blipFill rotWithShape="1">
+          <a:blip r:embed="rId3"/>
+          <a:srcRect b="39710"/>
+          <a:stretch/>
+        </p:blipFill>
+        <p:spPr>
+          <a:xfrm>
+            <a:off x="383751" y="3303783"/>
+            <a:ext cx="4744431" cy="3554217"/>
+          </a:xfrm>
+          <a:prstGeom prst="rect">
+            <a:avLst/>
+          </a:prstGeom>
+        </p:spPr>
+      </p:pic>
+      <p:pic>
+        <p:nvPicPr>
+          <p:cNvPr id="9" name="图片 8">
+            <a:extLst>
+              <a:ext uri="{FF2B5EF4-FFF2-40B4-BE49-F238E27FC236}">
+                <a16:creationId xmlns:a16="http://schemas.microsoft.com/office/drawing/2014/main" id="{8969EAB8-7FF6-4E8D-9867-3ACC4AC77172}"/>
+              </a:ext>
+            </a:extLst>
+          </p:cNvPr>
+          <p:cNvPicPr>
+            <a:picLocks noChangeAspect="1"/>
+          </p:cNvPicPr>
+          <p:nvPr/>
+        </p:nvPicPr>
+        <p:blipFill rotWithShape="1">
+          <a:blip r:embed="rId3"/>
+          <a:srcRect t="60415"/>
+          <a:stretch/>
+        </p:blipFill>
+        <p:spPr>
+          <a:xfrm>
+            <a:off x="6503317" y="4091232"/>
+            <a:ext cx="5105400" cy="2511163"/>
           </a:xfrm>
           <a:prstGeom prst="rect">
             <a:avLst/>
@@ -3677,7 +3828,209 @@
     </p:spTree>
     <p:extLst>
       <p:ext uri="{BB962C8B-B14F-4D97-AF65-F5344CB8AC3E}">
-        <p14:creationId xmlns:p14="http://schemas.microsoft.com/office/powerpoint/2010/main" val="1357051459"/>
+        <p14:creationId xmlns:p14="http://schemas.microsoft.com/office/powerpoint/2010/main" val="4096711038"/>
+      </p:ext>
+    </p:extLst>
+  </p:cSld>
+  <p:clrMapOvr>
+    <a:masterClrMapping/>
+  </p:clrMapOvr>
+</p:sld>
+</file>
+
+<file path=ppt/slides/slide5.xml><?xml version="1.0" encoding="utf-8"?>
+<p:sld xmlns:a="http://schemas.openxmlformats.org/drawingml/2006/main" xmlns:r="http://schemas.openxmlformats.org/officeDocument/2006/relationships" xmlns:p="http://schemas.openxmlformats.org/presentationml/2006/main">
+  <p:cSld>
+    <p:spTree>
+      <p:nvGrpSpPr>
+        <p:cNvPr id="1" name=""/>
+        <p:cNvGrpSpPr/>
+        <p:nvPr/>
+      </p:nvGrpSpPr>
+      <p:grpSpPr>
+        <a:xfrm>
+          <a:off x="0" y="0"/>
+          <a:ext cx="0" cy="0"/>
+          <a:chOff x="0" y="0"/>
+          <a:chExt cx="0" cy="0"/>
+        </a:xfrm>
+      </p:grpSpPr>
+      <p:pic>
+        <p:nvPicPr>
+          <p:cNvPr id="5" name="图片 4">
+            <a:extLst>
+              <a:ext uri="{FF2B5EF4-FFF2-40B4-BE49-F238E27FC236}">
+                <a16:creationId xmlns:a16="http://schemas.microsoft.com/office/drawing/2014/main" id="{F3EB9921-5A5B-45D7-8596-9CBE4C30A148}"/>
+              </a:ext>
+            </a:extLst>
+          </p:cNvPr>
+          <p:cNvPicPr>
+            <a:picLocks noChangeAspect="1"/>
+          </p:cNvPicPr>
+          <p:nvPr/>
+        </p:nvPicPr>
+        <p:blipFill>
+          <a:blip r:embed="rId2"/>
+          <a:stretch>
+            <a:fillRect/>
+          </a:stretch>
+        </p:blipFill>
+        <p:spPr>
+          <a:xfrm>
+            <a:off x="0" y="0"/>
+            <a:ext cx="12192000" cy="3237218"/>
+          </a:xfrm>
+          <a:prstGeom prst="rect">
+            <a:avLst/>
+          </a:prstGeom>
+        </p:spPr>
+      </p:pic>
+      <p:pic>
+        <p:nvPicPr>
+          <p:cNvPr id="11" name="图片 10">
+            <a:extLst>
+              <a:ext uri="{FF2B5EF4-FFF2-40B4-BE49-F238E27FC236}">
+                <a16:creationId xmlns:a16="http://schemas.microsoft.com/office/drawing/2014/main" id="{3C913E96-CEAA-4E68-BEAA-A5B3C3C9B413}"/>
+              </a:ext>
+            </a:extLst>
+          </p:cNvPr>
+          <p:cNvPicPr>
+            <a:picLocks noChangeAspect="1"/>
+          </p:cNvPicPr>
+          <p:nvPr/>
+        </p:nvPicPr>
+        <p:blipFill>
+          <a:blip r:embed="rId3"/>
+          <a:stretch>
+            <a:fillRect/>
+          </a:stretch>
+        </p:blipFill>
+        <p:spPr>
+          <a:xfrm>
+            <a:off x="4546376" y="3237218"/>
+            <a:ext cx="3878148" cy="3548593"/>
+          </a:xfrm>
+          <a:prstGeom prst="rect">
+            <a:avLst/>
+          </a:prstGeom>
+        </p:spPr>
+      </p:pic>
+      <p:pic>
+        <p:nvPicPr>
+          <p:cNvPr id="13" name="图片 12">
+            <a:extLst>
+              <a:ext uri="{FF2B5EF4-FFF2-40B4-BE49-F238E27FC236}">
+                <a16:creationId xmlns:a16="http://schemas.microsoft.com/office/drawing/2014/main" id="{A67ADA6E-9CF3-4256-9AA6-24311C346C8E}"/>
+              </a:ext>
+            </a:extLst>
+          </p:cNvPr>
+          <p:cNvPicPr>
+            <a:picLocks noChangeAspect="1"/>
+          </p:cNvPicPr>
+          <p:nvPr/>
+        </p:nvPicPr>
+        <p:blipFill>
+          <a:blip r:embed="rId4"/>
+          <a:stretch>
+            <a:fillRect/>
+          </a:stretch>
+        </p:blipFill>
+        <p:spPr>
+          <a:xfrm>
+            <a:off x="8556859" y="3305003"/>
+            <a:ext cx="3466899" cy="3552997"/>
+          </a:xfrm>
+          <a:prstGeom prst="rect">
+            <a:avLst/>
+          </a:prstGeom>
+        </p:spPr>
+      </p:pic>
+      <p:pic>
+        <p:nvPicPr>
+          <p:cNvPr id="1026" name="Picture 2" descr="模拟退火算法（SA算法）_Puppet__的博客-CSDN博客_sa算法">
+            <a:extLst>
+              <a:ext uri="{FF2B5EF4-FFF2-40B4-BE49-F238E27FC236}">
+                <a16:creationId xmlns:a16="http://schemas.microsoft.com/office/drawing/2014/main" id="{9BCDB850-AAA9-4EE1-9BA2-72DD89ECBDAC}"/>
+              </a:ext>
+            </a:extLst>
+          </p:cNvPr>
+          <p:cNvPicPr>
+            <a:picLocks noChangeAspect="1" noChangeArrowheads="1"/>
+          </p:cNvPicPr>
+          <p:nvPr/>
+        </p:nvPicPr>
+        <p:blipFill>
+          <a:blip r:embed="rId5">
+            <a:extLst>
+              <a:ext uri="{28A0092B-C50C-407E-A947-70E740481C1C}">
+                <a14:useLocalDpi xmlns:a14="http://schemas.microsoft.com/office/drawing/2010/main" val="0"/>
+              </a:ext>
+            </a:extLst>
+          </a:blip>
+          <a:srcRect/>
+          <a:stretch>
+            <a:fillRect/>
+          </a:stretch>
+        </p:blipFill>
+        <p:spPr bwMode="auto">
+          <a:xfrm>
+            <a:off x="45658" y="4732381"/>
+            <a:ext cx="4459941" cy="1401378"/>
+          </a:xfrm>
+          <a:prstGeom prst="rect">
+            <a:avLst/>
+          </a:prstGeom>
+          <a:noFill/>
+          <a:extLst>
+            <a:ext uri="{909E8E84-426E-40DD-AFC4-6F175D3DCCD1}">
+              <a14:hiddenFill xmlns:a14="http://schemas.microsoft.com/office/drawing/2010/main">
+                <a:solidFill>
+                  <a:srgbClr val="FFFFFF"/>
+                </a:solidFill>
+              </a14:hiddenFill>
+            </a:ext>
+          </a:extLst>
+        </p:spPr>
+      </p:pic>
+      <p:sp>
+        <p:nvSpPr>
+          <p:cNvPr id="14" name="文本框 13">
+            <a:extLst>
+              <a:ext uri="{FF2B5EF4-FFF2-40B4-BE49-F238E27FC236}">
+                <a16:creationId xmlns:a16="http://schemas.microsoft.com/office/drawing/2014/main" id="{10CD9AC1-9A76-46EA-B729-079A3E1A4151}"/>
+              </a:ext>
+            </a:extLst>
+          </p:cNvPr>
+          <p:cNvSpPr txBox="1"/>
+          <p:nvPr/>
+        </p:nvSpPr>
+        <p:spPr>
+          <a:xfrm>
+            <a:off x="778900" y="3878980"/>
+            <a:ext cx="2993458" cy="369332"/>
+          </a:xfrm>
+          <a:prstGeom prst="rect">
+            <a:avLst/>
+          </a:prstGeom>
+          <a:noFill/>
+        </p:spPr>
+        <p:txBody>
+          <a:bodyPr wrap="square" rtlCol="0">
+            <a:spAutoFit/>
+          </a:bodyPr>
+          <a:lstStyle/>
+          <a:p>
+            <a:r>
+              <a:rPr lang="zh-CN" altLang="en-US" dirty="0"/>
+              <a:t>较高初始温度，缓慢降温</a:t>
+            </a:r>
+          </a:p>
+        </p:txBody>
+      </p:sp>
+    </p:spTree>
+    <p:extLst>
+      <p:ext uri="{BB962C8B-B14F-4D97-AF65-F5344CB8AC3E}">
+        <p14:creationId xmlns:p14="http://schemas.microsoft.com/office/powerpoint/2010/main" val="2546699529"/>
       </p:ext>
     </p:extLst>
   </p:cSld>

--- a/YKX_V0.pptx
+++ b/YKX_V0.pptx
@@ -263,7 +263,7 @@
           <a:p>
             <a:fld id="{253039FA-8E18-46C8-978A-2D1FE0447F54}" type="datetimeFigureOut">
               <a:rPr lang="zh-CN" altLang="en-US" smtClean="0"/>
-              <a:t>2022/6/29</a:t>
+              <a:t>2022/6/30</a:t>
             </a:fld>
             <a:endParaRPr lang="zh-CN" altLang="en-US"/>
           </a:p>
@@ -461,7 +461,7 @@
           <a:p>
             <a:fld id="{253039FA-8E18-46C8-978A-2D1FE0447F54}" type="datetimeFigureOut">
               <a:rPr lang="zh-CN" altLang="en-US" smtClean="0"/>
-              <a:t>2022/6/29</a:t>
+              <a:t>2022/6/30</a:t>
             </a:fld>
             <a:endParaRPr lang="zh-CN" altLang="en-US"/>
           </a:p>
@@ -669,7 +669,7 @@
           <a:p>
             <a:fld id="{253039FA-8E18-46C8-978A-2D1FE0447F54}" type="datetimeFigureOut">
               <a:rPr lang="zh-CN" altLang="en-US" smtClean="0"/>
-              <a:t>2022/6/29</a:t>
+              <a:t>2022/6/30</a:t>
             </a:fld>
             <a:endParaRPr lang="zh-CN" altLang="en-US"/>
           </a:p>
@@ -867,7 +867,7 @@
           <a:p>
             <a:fld id="{253039FA-8E18-46C8-978A-2D1FE0447F54}" type="datetimeFigureOut">
               <a:rPr lang="zh-CN" altLang="en-US" smtClean="0"/>
-              <a:t>2022/6/29</a:t>
+              <a:t>2022/6/30</a:t>
             </a:fld>
             <a:endParaRPr lang="zh-CN" altLang="en-US"/>
           </a:p>
@@ -1142,7 +1142,7 @@
           <a:p>
             <a:fld id="{253039FA-8E18-46C8-978A-2D1FE0447F54}" type="datetimeFigureOut">
               <a:rPr lang="zh-CN" altLang="en-US" smtClean="0"/>
-              <a:t>2022/6/29</a:t>
+              <a:t>2022/6/30</a:t>
             </a:fld>
             <a:endParaRPr lang="zh-CN" altLang="en-US"/>
           </a:p>
@@ -1407,7 +1407,7 @@
           <a:p>
             <a:fld id="{253039FA-8E18-46C8-978A-2D1FE0447F54}" type="datetimeFigureOut">
               <a:rPr lang="zh-CN" altLang="en-US" smtClean="0"/>
-              <a:t>2022/6/29</a:t>
+              <a:t>2022/6/30</a:t>
             </a:fld>
             <a:endParaRPr lang="zh-CN" altLang="en-US"/>
           </a:p>
@@ -1819,7 +1819,7 @@
           <a:p>
             <a:fld id="{253039FA-8E18-46C8-978A-2D1FE0447F54}" type="datetimeFigureOut">
               <a:rPr lang="zh-CN" altLang="en-US" smtClean="0"/>
-              <a:t>2022/6/29</a:t>
+              <a:t>2022/6/30</a:t>
             </a:fld>
             <a:endParaRPr lang="zh-CN" altLang="en-US"/>
           </a:p>
@@ -1960,7 +1960,7 @@
           <a:p>
             <a:fld id="{253039FA-8E18-46C8-978A-2D1FE0447F54}" type="datetimeFigureOut">
               <a:rPr lang="zh-CN" altLang="en-US" smtClean="0"/>
-              <a:t>2022/6/29</a:t>
+              <a:t>2022/6/30</a:t>
             </a:fld>
             <a:endParaRPr lang="zh-CN" altLang="en-US"/>
           </a:p>
@@ -2073,7 +2073,7 @@
           <a:p>
             <a:fld id="{253039FA-8E18-46C8-978A-2D1FE0447F54}" type="datetimeFigureOut">
               <a:rPr lang="zh-CN" altLang="en-US" smtClean="0"/>
-              <a:t>2022/6/29</a:t>
+              <a:t>2022/6/30</a:t>
             </a:fld>
             <a:endParaRPr lang="zh-CN" altLang="en-US"/>
           </a:p>
@@ -2384,7 +2384,7 @@
           <a:p>
             <a:fld id="{253039FA-8E18-46C8-978A-2D1FE0447F54}" type="datetimeFigureOut">
               <a:rPr lang="zh-CN" altLang="en-US" smtClean="0"/>
-              <a:t>2022/6/29</a:t>
+              <a:t>2022/6/30</a:t>
             </a:fld>
             <a:endParaRPr lang="zh-CN" altLang="en-US"/>
           </a:p>
@@ -2672,7 +2672,7 @@
           <a:p>
             <a:fld id="{253039FA-8E18-46C8-978A-2D1FE0447F54}" type="datetimeFigureOut">
               <a:rPr lang="zh-CN" altLang="en-US" smtClean="0"/>
-              <a:t>2022/6/29</a:t>
+              <a:t>2022/6/30</a:t>
             </a:fld>
             <a:endParaRPr lang="zh-CN" altLang="en-US"/>
           </a:p>
@@ -2913,7 +2913,7 @@
           <a:p>
             <a:fld id="{253039FA-8E18-46C8-978A-2D1FE0447F54}" type="datetimeFigureOut">
               <a:rPr lang="zh-CN" altLang="en-US" smtClean="0"/>
-              <a:t>2022/6/29</a:t>
+              <a:t>2022/6/30</a:t>
             </a:fld>
             <a:endParaRPr lang="zh-CN" altLang="en-US"/>
           </a:p>
@@ -3522,8 +3522,8 @@
         </p:blipFill>
         <p:spPr>
           <a:xfrm>
-            <a:off x="6473106" y="2639505"/>
-            <a:ext cx="4988578" cy="3718876"/>
+            <a:off x="5933345" y="2390829"/>
+            <a:ext cx="5992356" cy="4467171"/>
           </a:xfrm>
           <a:prstGeom prst="rect">
             <a:avLst/>
@@ -3551,8 +3551,8 @@
         </p:blipFill>
         <p:spPr>
           <a:xfrm>
-            <a:off x="603316" y="2123480"/>
-            <a:ext cx="4988578" cy="4164198"/>
+            <a:off x="168196" y="2056102"/>
+            <a:ext cx="5539201" cy="4623829"/>
           </a:xfrm>
           <a:prstGeom prst="rect">
             <a:avLst/>
@@ -3670,8 +3670,8 @@
         </p:blipFill>
         <p:spPr>
           <a:xfrm>
-            <a:off x="255830" y="3018718"/>
-            <a:ext cx="5473478" cy="3337089"/>
+            <a:off x="0" y="2585470"/>
+            <a:ext cx="6193765" cy="3776236"/>
           </a:xfrm>
           <a:prstGeom prst="rect">
             <a:avLst/>
@@ -3699,8 +3699,8 @@
         </p:blipFill>
         <p:spPr>
           <a:xfrm>
-            <a:off x="6462694" y="3018718"/>
-            <a:ext cx="5473478" cy="3562547"/>
+            <a:off x="6193765" y="2847190"/>
+            <a:ext cx="5998235" cy="3904098"/>
           </a:xfrm>
           <a:prstGeom prst="rect">
             <a:avLst/>
@@ -4024,6 +4024,62 @@
               <a:rPr lang="zh-CN" altLang="en-US" dirty="0"/>
               <a:t>较高初始温度，缓慢降温</a:t>
             </a:r>
+          </a:p>
+        </p:txBody>
+      </p:sp>
+      <p:sp>
+        <p:nvSpPr>
+          <p:cNvPr id="2" name="文本框 1">
+            <a:extLst>
+              <a:ext uri="{FF2B5EF4-FFF2-40B4-BE49-F238E27FC236}">
+                <a16:creationId xmlns:a16="http://schemas.microsoft.com/office/drawing/2014/main" id="{4D96AAC0-C9EF-4560-BCFA-B62782A69990}"/>
+              </a:ext>
+            </a:extLst>
+          </p:cNvPr>
+          <p:cNvSpPr txBox="1"/>
+          <p:nvPr/>
+        </p:nvSpPr>
+        <p:spPr>
+          <a:xfrm>
+            <a:off x="8556858" y="71990"/>
+            <a:ext cx="3635141" cy="430887"/>
+          </a:xfrm>
+          <a:prstGeom prst="rect">
+            <a:avLst/>
+          </a:prstGeom>
+          <a:noFill/>
+        </p:spPr>
+        <p:txBody>
+          <a:bodyPr wrap="square" rtlCol="0">
+            <a:spAutoFit/>
+          </a:bodyPr>
+          <a:lstStyle/>
+          <a:p>
+            <a:r>
+              <a:rPr lang="zh-CN" altLang="en-US" sz="1100" dirty="0"/>
+              <a:t>以上四种解法的伪代码和</a:t>
+            </a:r>
+            <a:r>
+              <a:rPr lang="en-US" altLang="zh-CN" sz="1100" dirty="0"/>
+              <a:t>python</a:t>
+            </a:r>
+            <a:r>
+              <a:rPr lang="zh-CN" altLang="en-US" sz="1100" dirty="0"/>
+              <a:t>脚本已上传至</a:t>
+            </a:r>
+            <a:r>
+              <a:rPr lang="en-US" altLang="zh-CN" sz="1100" dirty="0"/>
+              <a:t>GitHub</a:t>
+            </a:r>
+          </a:p>
+          <a:p>
+            <a:r>
+              <a:rPr lang="en-US" altLang="zh-CN" sz="1100" dirty="0">
+                <a:hlinkClick r:id="rId6"/>
+              </a:rPr>
+              <a:t>https://github.com/dailypartita/Algorithm</a:t>
+            </a:r>
+            <a:endParaRPr lang="zh-CN" altLang="en-US" sz="1100" dirty="0"/>
           </a:p>
         </p:txBody>
       </p:sp>
